--- a/NUMPY_TUTORIAL_8_SLIDE.pptx
+++ b/NUMPY_TUTORIAL_8_SLIDE.pptx
@@ -204,7 +204,7 @@
           <a:p>
             <a:fld id="{F1526CA4-33C1-AA4F-8A92-0EB9D0326E2C}" type="datetimeFigureOut">
               <a:rPr lang="de-DE" smtClean="0"/>
-              <a:t>29.02.20</a:t>
+              <a:t>03.03.20</a:t>
             </a:fld>
             <a:endParaRPr lang="de-DE"/>
           </a:p>
@@ -621,7 +621,7 @@
           <a:p>
             <a:fld id="{86A81C7E-A40D-3A49-91ED-33427EB082CC}" type="datetime1">
               <a:rPr lang="de-DE" smtClean="0"/>
-              <a:t>29.02.20</a:t>
+              <a:t>03.03.20</a:t>
             </a:fld>
             <a:endParaRPr lang="de-DE"/>
           </a:p>
@@ -824,7 +824,7 @@
           <a:p>
             <a:fld id="{289945F6-E082-4145-8B74-5D7AD452E4F6}" type="datetime1">
               <a:rPr lang="de-DE" smtClean="0"/>
-              <a:t>29.02.20</a:t>
+              <a:t>03.03.20</a:t>
             </a:fld>
             <a:endParaRPr lang="de-DE"/>
           </a:p>
@@ -1037,7 +1037,7 @@
           <a:p>
             <a:fld id="{EF249264-F3DF-834C-BB60-24F93AA74BA2}" type="datetime1">
               <a:rPr lang="de-DE" smtClean="0"/>
-              <a:t>29.02.20</a:t>
+              <a:t>03.03.20</a:t>
             </a:fld>
             <a:endParaRPr lang="de-DE"/>
           </a:p>
@@ -1240,7 +1240,7 @@
           <a:p>
             <a:fld id="{85A80B37-905A-A743-A91C-A605D6B805A7}" type="datetime1">
               <a:rPr lang="de-DE" smtClean="0"/>
-              <a:t>29.02.20</a:t>
+              <a:t>03.03.20</a:t>
             </a:fld>
             <a:endParaRPr lang="de-DE"/>
           </a:p>
@@ -1519,7 +1519,7 @@
           <a:p>
             <a:fld id="{BE3E1D74-D364-5449-A36A-C302575EB181}" type="datetime1">
               <a:rPr lang="de-DE" smtClean="0"/>
-              <a:t>29.02.20</a:t>
+              <a:t>03.03.20</a:t>
             </a:fld>
             <a:endParaRPr lang="de-DE"/>
           </a:p>
@@ -1790,7 +1790,7 @@
           <a:p>
             <a:fld id="{FF5D0593-6FDC-8140-BC70-C88AFB68A612}" type="datetime1">
               <a:rPr lang="de-DE" smtClean="0"/>
-              <a:t>29.02.20</a:t>
+              <a:t>03.03.20</a:t>
             </a:fld>
             <a:endParaRPr lang="de-DE"/>
           </a:p>
@@ -2208,7 +2208,7 @@
           <a:p>
             <a:fld id="{C08EB09B-F677-BF44-BF19-AD91DB0EB4DB}" type="datetime1">
               <a:rPr lang="de-DE" smtClean="0"/>
-              <a:t>29.02.20</a:t>
+              <a:t>03.03.20</a:t>
             </a:fld>
             <a:endParaRPr lang="de-DE"/>
           </a:p>
@@ -2353,7 +2353,7 @@
           <a:p>
             <a:fld id="{AEDDFA77-338F-BD4D-9307-315D5FA0B7EB}" type="datetime1">
               <a:rPr lang="de-DE" smtClean="0"/>
-              <a:t>29.02.20</a:t>
+              <a:t>03.03.20</a:t>
             </a:fld>
             <a:endParaRPr lang="de-DE"/>
           </a:p>
@@ -2469,7 +2469,7 @@
           <a:p>
             <a:fld id="{E830B389-21BF-4C40-9E4C-A52F9A301F14}" type="datetime1">
               <a:rPr lang="de-DE" smtClean="0"/>
-              <a:t>29.02.20</a:t>
+              <a:t>03.03.20</a:t>
             </a:fld>
             <a:endParaRPr lang="de-DE"/>
           </a:p>
@@ -2785,7 +2785,7 @@
           <a:p>
             <a:fld id="{A0030B4D-0DE4-CA4B-823E-7F9BB00E2B8E}" type="datetime1">
               <a:rPr lang="de-DE" smtClean="0"/>
-              <a:t>29.02.20</a:t>
+              <a:t>03.03.20</a:t>
             </a:fld>
             <a:endParaRPr lang="de-DE"/>
           </a:p>
@@ -3077,7 +3077,7 @@
           <a:p>
             <a:fld id="{6F55BEA8-987F-9540-A01F-D683CB078464}" type="datetime1">
               <a:rPr lang="de-DE" smtClean="0"/>
-              <a:t>29.02.20</a:t>
+              <a:t>03.03.20</a:t>
             </a:fld>
             <a:endParaRPr lang="de-DE"/>
           </a:p>
@@ -3331,7 +3331,7 @@
           <a:p>
             <a:fld id="{4FE77377-F83B-1D4C-966D-0FFA75F057E3}" type="datetime1">
               <a:rPr lang="de-DE" smtClean="0"/>
-              <a:t>29.02.20</a:t>
+              <a:t>03.03.20</a:t>
             </a:fld>
             <a:endParaRPr lang="de-DE"/>
           </a:p>
@@ -3820,7 +3820,7 @@
           <a:p>
             <a:r>
               <a:rPr lang="de-DE" dirty="0"/>
-              <a:t>Numpy Array Indexing &amp; Slicing</a:t>
+              <a:t>Numpy Array Indexing &amp; Slicing(1d &amp; 2d Numpy Array)</a:t>
             </a:r>
           </a:p>
           <a:p>
@@ -3869,7 +3869,7 @@
                   <a:srgbClr val="000000"/>
                 </a:highlight>
               </a:rPr>
-              <a:t>29.02.20</a:t>
+              <a:t>03.03.20</a:t>
             </a:fld>
             <a:endParaRPr lang="de-DE" dirty="0">
               <a:highlight>
@@ -3988,10 +3988,10 @@
       </p:grpSpPr>
       <p:sp>
         <p:nvSpPr>
-          <p:cNvPr id="13" name="Rectangle 12">
-            <a:extLst>
-              <a:ext uri="{FF2B5EF4-FFF2-40B4-BE49-F238E27FC236}">
-                <a16:creationId xmlns:a16="http://schemas.microsoft.com/office/drawing/2014/main" id="{6753252F-4873-4F63-801D-CC719279A7D5}"/>
+          <p:cNvPr id="20" name="Rectangle 19">
+            <a:extLst>
+              <a:ext uri="{FF2B5EF4-FFF2-40B4-BE49-F238E27FC236}">
+                <a16:creationId xmlns:a16="http://schemas.microsoft.com/office/drawing/2014/main" id="{42A5316D-ED2F-4F89-B4B4-8D9240B1A348}"/>
               </a:ext>
               <a:ext uri="{C183D7F6-B498-43B3-948B-1728B52AA6E4}">
                 <adec:decorative xmlns:adec="http://schemas.microsoft.com/office/drawing/2017/decorative" val="1"/>
@@ -4012,13 +4012,13 @@
         <p:spPr>
           <a:xfrm>
             <a:off x="0" y="0"/>
-            <a:ext cx="12192000" cy="6858000"/>
+            <a:ext cx="2013557" cy="6858000"/>
           </a:xfrm>
           <a:prstGeom prst="rect">
             <a:avLst/>
           </a:prstGeom>
           <a:solidFill>
-            <a:srgbClr val="FFFFFF"/>
+            <a:srgbClr val="526456"/>
           </a:solidFill>
           <a:ln>
             <a:noFill/>
@@ -4044,71 +4044,37 @@
           <a:bodyPr rtlCol="0" anchor="ctr"/>
           <a:lstStyle/>
           <a:p>
-            <a:pPr algn="ctr"/>
-            <a:endParaRPr lang="en-US"/>
-          </a:p>
-        </p:txBody>
-      </p:sp>
-      <p:sp>
-        <p:nvSpPr>
-          <p:cNvPr id="15" name="Rectangle 14">
-            <a:extLst>
-              <a:ext uri="{FF2B5EF4-FFF2-40B4-BE49-F238E27FC236}">
-                <a16:creationId xmlns:a16="http://schemas.microsoft.com/office/drawing/2014/main" id="{047C8CCB-F95D-4249-92DD-651249D3535A}"/>
-              </a:ext>
-              <a:ext uri="{C183D7F6-B498-43B3-948B-1728B52AA6E4}">
-                <adec:decorative xmlns:adec="http://schemas.microsoft.com/office/drawing/2017/decorative" val="1"/>
-              </a:ext>
-            </a:extLst>
-          </p:cNvPr>
-          <p:cNvSpPr>
-            <a:spLocks noGrp="1" noRot="1" noChangeAspect="1" noMove="1" noResize="1" noEditPoints="1" noAdjustHandles="1" noChangeArrowheads="1" noChangeShapeType="1" noTextEdit="1"/>
-          </p:cNvSpPr>
-          <p:nvPr>
-            <p:extLst>
-              <p:ext uri="{386F3935-93C4-4BCD-93E2-E3B085C9AB24}">
-                <p16:designElem xmlns:p16="http://schemas.microsoft.com/office/powerpoint/2015/main" val="1"/>
-              </p:ext>
-            </p:extLst>
-          </p:nvPr>
-        </p:nvSpPr>
-        <p:spPr>
-          <a:xfrm>
-            <a:off x="0" y="0"/>
-            <a:ext cx="2013557" cy="6858000"/>
-          </a:xfrm>
-          <a:prstGeom prst="rect">
-            <a:avLst/>
-          </a:prstGeom>
-          <a:solidFill>
-            <a:srgbClr val="7C5952"/>
-          </a:solidFill>
-          <a:ln>
-            <a:noFill/>
-          </a:ln>
-        </p:spPr>
-        <p:style>
-          <a:lnRef idx="2">
-            <a:schemeClr val="accent1">
-              <a:shade val="50000"/>
-            </a:schemeClr>
-          </a:lnRef>
-          <a:fillRef idx="1">
-            <a:schemeClr val="accent1"/>
-          </a:fillRef>
-          <a:effectRef idx="0">
-            <a:schemeClr val="accent1"/>
-          </a:effectRef>
-          <a:fontRef idx="minor">
-            <a:schemeClr val="lt1"/>
-          </a:fontRef>
-        </p:style>
-        <p:txBody>
-          <a:bodyPr rtlCol="0" anchor="ctr"/>
-          <a:lstStyle/>
-          <a:p>
-            <a:pPr algn="ctr"/>
-            <a:endParaRPr lang="en-US"/>
+            <a:pPr marL="0" marR="0" lvl="0" indent="0" algn="ctr" defTabSz="914400" rtl="0" eaLnBrk="1" fontAlgn="auto" latinLnBrk="0" hangingPunct="1">
+              <a:lnSpc>
+                <a:spcPct val="100000"/>
+              </a:lnSpc>
+              <a:spcBef>
+                <a:spcPts val="0"/>
+              </a:spcBef>
+              <a:spcAft>
+                <a:spcPts val="0"/>
+              </a:spcAft>
+              <a:buClrTx/>
+              <a:buSzTx/>
+              <a:buFontTx/>
+              <a:buNone/>
+              <a:tabLst/>
+              <a:defRPr/>
+            </a:pPr>
+            <a:endParaRPr kumimoji="0" lang="en-US" sz="1800" b="0" i="0" u="none" strike="noStrike" kern="1200" cap="none" spc="0" normalizeH="0" baseline="0" noProof="0">
+              <a:ln>
+                <a:noFill/>
+              </a:ln>
+              <a:solidFill>
+                <a:prstClr val="white"/>
+              </a:solidFill>
+              <a:effectLst/>
+              <a:uLnTx/>
+              <a:uFillTx/>
+              <a:latin typeface="Calibri" panose="020F0502020204030204"/>
+              <a:ea typeface="+mn-ea"/>
+              <a:cs typeface="+mn-cs"/>
+            </a:endParaRPr>
           </a:p>
         </p:txBody>
       </p:sp>
@@ -4130,8 +4096,8 @@
         </p:nvSpPr>
         <p:spPr>
           <a:xfrm>
-            <a:off x="71021" y="1669003"/>
-            <a:ext cx="3790765" cy="3737498"/>
+            <a:off x="694510" y="1487272"/>
+            <a:ext cx="2743200" cy="2743200"/>
           </a:xfrm>
           <a:prstGeom prst="ellipse">
             <a:avLst/>
@@ -4146,7 +4112,7 @@
           </a:ln>
         </p:spPr>
         <p:txBody>
-          <a:bodyPr vert="horz" lIns="91440" tIns="45720" rIns="91440" bIns="45720" rtlCol="0" anchor="ctr">
+          <a:bodyPr vert="horz" lIns="91440" tIns="45720" rIns="91440" bIns="45720" rtlCol="0">
             <a:normAutofit/>
           </a:bodyPr>
           <a:lstStyle/>
@@ -4166,35 +4132,124 @@
           </a:p>
         </p:txBody>
       </p:sp>
-      <p:sp>
-        <p:nvSpPr>
-          <p:cNvPr id="4" name="Date Placeholder 3">
-            <a:extLst>
-              <a:ext uri="{FF2B5EF4-FFF2-40B4-BE49-F238E27FC236}">
-                <a16:creationId xmlns:a16="http://schemas.microsoft.com/office/drawing/2014/main" id="{E0B8CDB3-DF52-BD40-835E-53C2C836C174}"/>
-              </a:ext>
-            </a:extLst>
-          </p:cNvPr>
-          <p:cNvSpPr>
-            <a:spLocks noGrp="1"/>
-          </p:cNvSpPr>
-          <p:nvPr>
-            <p:ph type="dt" sz="half" idx="10"/>
-          </p:nvPr>
-        </p:nvSpPr>
-        <p:spPr>
-          <a:xfrm>
-            <a:off x="413657" y="6356350"/>
-            <a:ext cx="1480457" cy="365125"/>
-          </a:xfrm>
-        </p:spPr>
-        <p:txBody>
-          <a:bodyPr vert="horz" lIns="91440" tIns="45720" rIns="91440" bIns="45720" rtlCol="0" anchor="ctr">
+      <p:pic>
+        <p:nvPicPr>
+          <p:cNvPr id="11" name="Picture 10" descr="A screenshot of a cell phone&#10;&#10;Description automatically generated">
+            <a:extLst>
+              <a:ext uri="{FF2B5EF4-FFF2-40B4-BE49-F238E27FC236}">
+                <a16:creationId xmlns:a16="http://schemas.microsoft.com/office/drawing/2014/main" id="{F4E3C813-BAD5-E540-8BED-73C8FE19DDC3}"/>
+              </a:ext>
+            </a:extLst>
+          </p:cNvPr>
+          <p:cNvPicPr>
+            <a:picLocks noChangeAspect="1"/>
+          </p:cNvPicPr>
+          <p:nvPr/>
+        </p:nvPicPr>
+        <p:blipFill>
+          <a:blip r:embed="rId2"/>
+          <a:stretch>
+            <a:fillRect/>
+          </a:stretch>
+        </p:blipFill>
+        <p:spPr>
+          <a:xfrm>
+            <a:off x="4272757" y="1031589"/>
+            <a:ext cx="7081041" cy="3677617"/>
+          </a:xfrm>
+          <a:prstGeom prst="rect">
+            <a:avLst/>
+          </a:prstGeom>
+        </p:spPr>
+      </p:pic>
+      <p:sp>
+        <p:nvSpPr>
+          <p:cNvPr id="10" name="Content Placeholder 9">
+            <a:extLst>
+              <a:ext uri="{FF2B5EF4-FFF2-40B4-BE49-F238E27FC236}">
+                <a16:creationId xmlns:a16="http://schemas.microsoft.com/office/drawing/2014/main" id="{95BCFDFF-95BC-D747-9D71-B3F3A6B23819}"/>
+              </a:ext>
+            </a:extLst>
+          </p:cNvPr>
+          <p:cNvSpPr>
+            <a:spLocks noGrp="1"/>
+          </p:cNvSpPr>
+          <p:nvPr>
+            <p:ph idx="1"/>
+          </p:nvPr>
+        </p:nvSpPr>
+        <p:spPr>
+          <a:xfrm>
+            <a:off x="4038600" y="4884873"/>
+            <a:ext cx="7188199" cy="1292090"/>
+          </a:xfrm>
+        </p:spPr>
+        <p:txBody>
+          <a:bodyPr>
             <a:normAutofit/>
           </a:bodyPr>
           <a:lstStyle/>
           <a:p>
-            <a:pPr>
+            <a:pPr marL="0" indent="0">
+              <a:buNone/>
+            </a:pPr>
+            <a:endParaRPr lang="en-US" sz="1800">
+              <a:highlight>
+                <a:srgbClr val="FFFF00"/>
+              </a:highlight>
+            </a:endParaRPr>
+          </a:p>
+          <a:p>
+            <a:pPr marL="0" indent="0">
+              <a:buNone/>
+            </a:pPr>
+            <a:endParaRPr lang="en-US" sz="1800">
+              <a:highlight>
+                <a:srgbClr val="FFFF00"/>
+              </a:highlight>
+            </a:endParaRPr>
+          </a:p>
+          <a:p>
+            <a:pPr marL="0" indent="0">
+              <a:buNone/>
+            </a:pPr>
+            <a:endParaRPr lang="en-US" sz="1800">
+              <a:highlight>
+                <a:srgbClr val="FFFF00"/>
+              </a:highlight>
+            </a:endParaRPr>
+          </a:p>
+        </p:txBody>
+      </p:sp>
+      <p:sp>
+        <p:nvSpPr>
+          <p:cNvPr id="4" name="Date Placeholder 3">
+            <a:extLst>
+              <a:ext uri="{FF2B5EF4-FFF2-40B4-BE49-F238E27FC236}">
+                <a16:creationId xmlns:a16="http://schemas.microsoft.com/office/drawing/2014/main" id="{E0B8CDB3-DF52-BD40-835E-53C2C836C174}"/>
+              </a:ext>
+            </a:extLst>
+          </p:cNvPr>
+          <p:cNvSpPr>
+            <a:spLocks noGrp="1"/>
+          </p:cNvSpPr>
+          <p:nvPr>
+            <p:ph type="dt" sz="half" idx="10"/>
+          </p:nvPr>
+        </p:nvSpPr>
+        <p:spPr>
+          <a:xfrm>
+            <a:off x="241738" y="6356350"/>
+            <a:ext cx="1655379" cy="365125"/>
+          </a:xfrm>
+        </p:spPr>
+        <p:txBody>
+          <a:bodyPr vert="horz" lIns="91440" tIns="45720" rIns="91440" bIns="45720" rtlCol="0">
+            <a:normAutofit/>
+          </a:bodyPr>
+          <a:lstStyle/>
+          <a:p>
+            <a:pPr algn="ctr">
               <a:spcAft>
                 <a:spcPts val="600"/>
               </a:spcAft>
@@ -4205,12 +4260,12 @@
                   <a:srgbClr val="FFFFFF"/>
                 </a:solidFill>
               </a:rPr>
-              <a:pPr>
+              <a:pPr algn="ctr">
                 <a:spcAft>
                   <a:spcPts val="600"/>
                 </a:spcAft>
               </a:pPr>
-              <a:t>2/29/20</a:t>
+              <a:t>3/3/20</a:t>
             </a:fld>
             <a:endParaRPr lang="en-US">
               <a:solidFill>
@@ -4238,17 +4293,17 @@
         </p:nvSpPr>
         <p:spPr>
           <a:xfrm>
-            <a:off x="4116613" y="6356350"/>
-            <a:ext cx="7032172" cy="365125"/>
-          </a:xfrm>
-        </p:spPr>
-        <p:txBody>
-          <a:bodyPr vert="horz" lIns="91440" tIns="45720" rIns="91440" bIns="45720" rtlCol="0" anchor="ctr">
+            <a:off x="4038599" y="6356350"/>
+            <a:ext cx="4847897" cy="365125"/>
+          </a:xfrm>
+        </p:spPr>
+        <p:txBody>
+          <a:bodyPr vert="horz" lIns="91440" tIns="45720" rIns="91440" bIns="45720" rtlCol="0">
             <a:normAutofit/>
           </a:bodyPr>
           <a:lstStyle/>
           <a:p>
-            <a:pPr>
+            <a:pPr algn="l">
               <a:spcAft>
                 <a:spcPts val="600"/>
               </a:spcAft>
@@ -4256,7 +4311,9 @@
             <a:r>
               <a:rPr lang="en-US" kern="1200">
                 <a:solidFill>
-                  <a:srgbClr val="898989"/>
+                  <a:prstClr val="black">
+                    <a:tint val="75000"/>
+                  </a:prstClr>
                 </a:solidFill>
                 <a:latin typeface="+mn-lt"/>
                 <a:ea typeface="+mn-ea"/>
@@ -4285,12 +4342,12 @@
         </p:nvSpPr>
         <p:spPr>
           <a:xfrm>
-            <a:off x="11310257" y="6356350"/>
-            <a:ext cx="560009" cy="365125"/>
-          </a:xfrm>
-        </p:spPr>
-        <p:txBody>
-          <a:bodyPr vert="horz" lIns="91440" tIns="45720" rIns="91440" bIns="45720" rtlCol="0" anchor="ctr">
+            <a:off x="9884978" y="6356350"/>
+            <a:ext cx="1468821" cy="365125"/>
+          </a:xfrm>
+        </p:spPr>
+        <p:txBody>
+          <a:bodyPr vert="horz" lIns="91440" tIns="45720" rIns="91440" bIns="45720" rtlCol="0">
             <a:normAutofit/>
           </a:bodyPr>
           <a:lstStyle/>
@@ -4303,7 +4360,9 @@
             <a:fld id="{3276C40E-97DB-2248-A55E-B7EA991DACFB}" type="slidenum">
               <a:rPr lang="en-US">
                 <a:solidFill>
-                  <a:srgbClr val="898989"/>
+                  <a:prstClr val="black">
+                    <a:tint val="75000"/>
+                  </a:prstClr>
                 </a:solidFill>
               </a:rPr>
               <a:pPr>
@@ -4315,101 +4374,14 @@
             </a:fld>
             <a:endParaRPr lang="en-US">
               <a:solidFill>
-                <a:srgbClr val="898989"/>
+                <a:prstClr val="black">
+                  <a:tint val="75000"/>
+                </a:prstClr>
               </a:solidFill>
             </a:endParaRPr>
           </a:p>
         </p:txBody>
       </p:sp>
-      <p:sp>
-        <p:nvSpPr>
-          <p:cNvPr id="10" name="Content Placeholder 9">
-            <a:extLst>
-              <a:ext uri="{FF2B5EF4-FFF2-40B4-BE49-F238E27FC236}">
-                <a16:creationId xmlns:a16="http://schemas.microsoft.com/office/drawing/2014/main" id="{95BCFDFF-95BC-D747-9D71-B3F3A6B23819}"/>
-              </a:ext>
-            </a:extLst>
-          </p:cNvPr>
-          <p:cNvSpPr>
-            <a:spLocks noGrp="1"/>
-          </p:cNvSpPr>
-          <p:nvPr>
-            <p:ph idx="1"/>
-          </p:nvPr>
-        </p:nvSpPr>
-        <p:spPr>
-          <a:xfrm>
-            <a:off x="3861786" y="1127464"/>
-            <a:ext cx="8008480" cy="4078520"/>
-          </a:xfrm>
-        </p:spPr>
-        <p:txBody>
-          <a:bodyPr>
-            <a:normAutofit/>
-          </a:bodyPr>
-          <a:lstStyle/>
-          <a:p>
-            <a:pPr marL="0" indent="0">
-              <a:buNone/>
-            </a:pPr>
-            <a:endParaRPr lang="en-US" dirty="0">
-              <a:highlight>
-                <a:srgbClr val="FFFF00"/>
-              </a:highlight>
-            </a:endParaRPr>
-          </a:p>
-          <a:p>
-            <a:pPr marL="0" indent="0">
-              <a:buNone/>
-            </a:pPr>
-            <a:endParaRPr lang="en-US" dirty="0">
-              <a:highlight>
-                <a:srgbClr val="FFFF00"/>
-              </a:highlight>
-            </a:endParaRPr>
-          </a:p>
-          <a:p>
-            <a:pPr marL="0" indent="0">
-              <a:buNone/>
-            </a:pPr>
-            <a:endParaRPr lang="en-US" dirty="0">
-              <a:highlight>
-                <a:srgbClr val="FFFF00"/>
-              </a:highlight>
-            </a:endParaRPr>
-          </a:p>
-        </p:txBody>
-      </p:sp>
-      <p:pic>
-        <p:nvPicPr>
-          <p:cNvPr id="19" name="Picture 18" descr="A screenshot of a cell phone&#10;&#10;Description automatically generated">
-            <a:extLst>
-              <a:ext uri="{FF2B5EF4-FFF2-40B4-BE49-F238E27FC236}">
-                <a16:creationId xmlns:a16="http://schemas.microsoft.com/office/drawing/2014/main" id="{10507D60-338F-4445-8321-B30DCFA18CF7}"/>
-              </a:ext>
-            </a:extLst>
-          </p:cNvPr>
-          <p:cNvPicPr>
-            <a:picLocks noChangeAspect="1"/>
-          </p:cNvPicPr>
-          <p:nvPr/>
-        </p:nvPicPr>
-        <p:blipFill>
-          <a:blip r:embed="rId2"/>
-          <a:stretch>
-            <a:fillRect/>
-          </a:stretch>
-        </p:blipFill>
-        <p:spPr>
-          <a:xfrm>
-            <a:off x="4116613" y="189333"/>
-            <a:ext cx="7442234" cy="3895106"/>
-          </a:xfrm>
-          <a:prstGeom prst="rect">
-            <a:avLst/>
-          </a:prstGeom>
-        </p:spPr>
-      </p:pic>
     </p:spTree>
     <p:extLst>
       <p:ext uri="{BB962C8B-B14F-4D97-AF65-F5344CB8AC3E}">
@@ -4672,7 +4644,7 @@
                   <a:spcPts val="600"/>
                 </a:spcAft>
               </a:pPr>
-              <a:t>2/29/20</a:t>
+              <a:t>3/3/20</a:t>
             </a:fld>
             <a:endParaRPr lang="en-US">
               <a:solidFill>
@@ -4856,8 +4828,8 @@
         </p:nvSpPr>
         <p:spPr>
           <a:xfrm>
-            <a:off x="3657600" y="481133"/>
-            <a:ext cx="7233903" cy="646331"/>
+            <a:off x="2514600" y="217504"/>
+            <a:ext cx="8075480" cy="1477328"/>
           </a:xfrm>
           <a:prstGeom prst="rect">
             <a:avLst/>
@@ -4870,16 +4842,24 @@
           </a:bodyPr>
           <a:lstStyle/>
           <a:p>
+            <a:pPr marL="285750" indent="-285750">
+              <a:buFont typeface="Arial" panose="020B0604020202020204" pitchFamily="34" charset="0"/>
+              <a:buChar char="•"/>
+            </a:pPr>
             <a:r>
               <a:rPr lang="en-GB"/>
               <a:t>S</a:t>
             </a:r>
             <a:r>
               <a:rPr lang="en-DE"/>
-              <a:t>licing returns the data structure with shape passed in the slicing operation</a:t>
-            </a:r>
-          </a:p>
-          <a:p>
+              <a:t>licing returns the same data structure with shape passed in the slicing operation</a:t>
+            </a:r>
+          </a:p>
+          <a:p>
+            <a:pPr marL="285750" indent="-285750">
+              <a:buFont typeface="Arial" panose="020B0604020202020204" pitchFamily="34" charset="0"/>
+              <a:buChar char="•"/>
+            </a:pPr>
             <a:r>
               <a:rPr lang="en-GB"/>
               <a:t>S</a:t>
@@ -4888,6 +4868,37 @@
               <a:rPr lang="en-DE"/>
               <a:t>licing will be done by : operator </a:t>
             </a:r>
+          </a:p>
+          <a:p>
+            <a:pPr marL="285750" indent="-285750">
+              <a:buFont typeface="Arial" panose="020B0604020202020204" pitchFamily="34" charset="0"/>
+              <a:buChar char="•"/>
+            </a:pPr>
+            <a:r>
+              <a:rPr lang="en-GB"/>
+              <a:t>1st positional index is inclusive &amp; last positional index is exclusive</a:t>
+            </a:r>
+          </a:p>
+          <a:p>
+            <a:pPr marL="285750" indent="-285750">
+              <a:buFont typeface="Arial" panose="020B0604020202020204" pitchFamily="34" charset="0"/>
+              <a:buChar char="•"/>
+            </a:pPr>
+            <a:r>
+              <a:rPr lang="en-GB"/>
+              <a:t>not mentioning anything at 1st index means always consider first element</a:t>
+            </a:r>
+          </a:p>
+          <a:p>
+            <a:pPr marL="285750" indent="-285750">
+              <a:buFont typeface="Arial" panose="020B0604020202020204" pitchFamily="34" charset="0"/>
+              <a:buChar char="•"/>
+            </a:pPr>
+            <a:r>
+              <a:rPr lang="en-GB"/>
+              <a:t>not mentioning anything at last index means always consider the last element</a:t>
+            </a:r>
+            <a:endParaRPr lang="en-DE"/>
           </a:p>
         </p:txBody>
       </p:sp>
@@ -4896,7 +4907,7 @@
           <p:cNvPr id="8" name="Picture 7" descr="A screenshot of a cell phone&#10;&#10;Description automatically generated">
             <a:extLst>
               <a:ext uri="{FF2B5EF4-FFF2-40B4-BE49-F238E27FC236}">
-                <a16:creationId xmlns:a16="http://schemas.microsoft.com/office/drawing/2014/main" id="{04CAB9B5-5174-1542-8159-07DC68083DAB}"/>
+                <a16:creationId xmlns:a16="http://schemas.microsoft.com/office/drawing/2014/main" id="{FDD9567A-5D00-AE44-A333-895AA624364A}"/>
               </a:ext>
             </a:extLst>
           </p:cNvPr>
@@ -4913,8 +4924,8 @@
         </p:blipFill>
         <p:spPr>
           <a:xfrm>
-            <a:off x="4065972" y="1218243"/>
-            <a:ext cx="7196312" cy="3209166"/>
+            <a:off x="4021764" y="2622648"/>
+            <a:ext cx="8009369" cy="3754219"/>
           </a:xfrm>
           <a:prstGeom prst="rect">
             <a:avLst/>
@@ -5155,7 +5166,7 @@
                 <a:ea typeface="+mj-ea"/>
                 <a:cs typeface="+mj-cs"/>
               </a:rPr>
-              <a:t>Examples</a:t>
+              <a:t>Example:1</a:t>
             </a:r>
           </a:p>
         </p:txBody>
@@ -5204,7 +5215,7 @@
                   <a:spcPts val="600"/>
                 </a:spcAft>
               </a:pPr>
-              <a:t>2/29/20</a:t>
+              <a:t>3/3/20</a:t>
             </a:fld>
             <a:endParaRPr lang="en-US">
               <a:solidFill>
@@ -5447,10 +5458,10 @@
       </p:sp>
       <p:pic>
         <p:nvPicPr>
-          <p:cNvPr id="7" name="Picture 6" descr="A screenshot of a cell phone&#10;&#10;Description automatically generated">
-            <a:extLst>
-              <a:ext uri="{FF2B5EF4-FFF2-40B4-BE49-F238E27FC236}">
-                <a16:creationId xmlns:a16="http://schemas.microsoft.com/office/drawing/2014/main" id="{4934FAB5-AB9F-7E41-A0FF-AC58A7CDF036}"/>
+          <p:cNvPr id="8" name="Picture 7">
+            <a:extLst>
+              <a:ext uri="{FF2B5EF4-FFF2-40B4-BE49-F238E27FC236}">
+                <a16:creationId xmlns:a16="http://schemas.microsoft.com/office/drawing/2014/main" id="{6F7D5FEB-4FA8-B14E-89C8-9EDBF75AFD2D}"/>
               </a:ext>
             </a:extLst>
           </p:cNvPr>
@@ -5467,8 +5478,38 @@
         </p:blipFill>
         <p:spPr>
           <a:xfrm>
-            <a:off x="4258482" y="2087707"/>
-            <a:ext cx="5990031" cy="2682586"/>
+            <a:off x="5861050" y="3302000"/>
+            <a:ext cx="469900" cy="254000"/>
+          </a:xfrm>
+          <a:prstGeom prst="rect">
+            <a:avLst/>
+          </a:prstGeom>
+        </p:spPr>
+      </p:pic>
+      <p:pic>
+        <p:nvPicPr>
+          <p:cNvPr id="11" name="Picture 10" descr="A screenshot of a cell phone&#10;&#10;Description automatically generated">
+            <a:extLst>
+              <a:ext uri="{FF2B5EF4-FFF2-40B4-BE49-F238E27FC236}">
+                <a16:creationId xmlns:a16="http://schemas.microsoft.com/office/drawing/2014/main" id="{0F602FF9-A37E-AA49-AB9E-35539331E17D}"/>
+              </a:ext>
+            </a:extLst>
+          </p:cNvPr>
+          <p:cNvPicPr>
+            <a:picLocks noChangeAspect="1"/>
+          </p:cNvPicPr>
+          <p:nvPr/>
+        </p:nvPicPr>
+        <p:blipFill>
+          <a:blip r:embed="rId3"/>
+          <a:stretch>
+            <a:fillRect/>
+          </a:stretch>
+        </p:blipFill>
+        <p:spPr>
+          <a:xfrm>
+            <a:off x="4642097" y="2146299"/>
+            <a:ext cx="4406900" cy="2705100"/>
           </a:xfrm>
           <a:prstGeom prst="rect">
             <a:avLst/>
@@ -5709,7 +5750,7 @@
                 <a:ea typeface="+mj-ea"/>
                 <a:cs typeface="+mj-cs"/>
               </a:rPr>
-              <a:t>Examples</a:t>
+              <a:t>Examples:2</a:t>
             </a:r>
           </a:p>
         </p:txBody>
@@ -5758,7 +5799,7 @@
                   <a:spcPts val="600"/>
                 </a:spcAft>
               </a:pPr>
-              <a:t>2/29/20</a:t>
+              <a:t>3/3/20</a:t>
             </a:fld>
             <a:endParaRPr lang="en-US">
               <a:solidFill>
@@ -5926,6 +5967,16 @@
               </a:highlight>
             </a:endParaRPr>
           </a:p>
+          <a:p>
+            <a:pPr marL="0" indent="0">
+              <a:buNone/>
+            </a:pPr>
+            <a:endParaRPr lang="en-US" dirty="0">
+              <a:highlight>
+                <a:srgbClr val="FFFF00"/>
+              </a:highlight>
+            </a:endParaRPr>
+          </a:p>
         </p:txBody>
       </p:sp>
       <p:sp>
@@ -6009,10 +6060,10 @@
       </p:sp>
       <p:pic>
         <p:nvPicPr>
-          <p:cNvPr id="8" name="Picture 7" descr="A screenshot of a cell phone&#10;&#10;Description automatically generated">
-            <a:extLst>
-              <a:ext uri="{FF2B5EF4-FFF2-40B4-BE49-F238E27FC236}">
-                <a16:creationId xmlns:a16="http://schemas.microsoft.com/office/drawing/2014/main" id="{1D9CA195-97EC-0C48-8456-AC85F1F40416}"/>
+          <p:cNvPr id="7" name="Picture 6" descr="A screenshot of a cell phone&#10;&#10;Description automatically generated">
+            <a:extLst>
+              <a:ext uri="{FF2B5EF4-FFF2-40B4-BE49-F238E27FC236}">
+                <a16:creationId xmlns:a16="http://schemas.microsoft.com/office/drawing/2014/main" id="{218C9437-1CE8-5245-8075-75F4BFB689A5}"/>
               </a:ext>
             </a:extLst>
           </p:cNvPr>
@@ -6029,8 +6080,8 @@
         </p:blipFill>
         <p:spPr>
           <a:xfrm>
-            <a:off x="4367796" y="2312390"/>
-            <a:ext cx="6045200" cy="1473200"/>
+            <a:off x="4443996" y="2153732"/>
+            <a:ext cx="5994400" cy="2832100"/>
           </a:xfrm>
           <a:prstGeom prst="rect">
             <a:avLst/>
@@ -6271,7 +6322,7 @@
                 <a:ea typeface="+mj-ea"/>
                 <a:cs typeface="+mj-cs"/>
               </a:rPr>
-              <a:t>Examples</a:t>
+              <a:t>Example:3</a:t>
             </a:r>
           </a:p>
         </p:txBody>
@@ -6320,7 +6371,7 @@
                   <a:spcPts val="600"/>
                 </a:spcAft>
               </a:pPr>
-              <a:t>2/29/20</a:t>
+              <a:t>3/3/20</a:t>
             </a:fld>
             <a:endParaRPr lang="en-US">
               <a:solidFill>
@@ -6563,10 +6614,10 @@
       </p:sp>
       <p:pic>
         <p:nvPicPr>
-          <p:cNvPr id="7" name="Picture 6" descr="A screenshot of a cell phone&#10;&#10;Description automatically generated">
-            <a:extLst>
-              <a:ext uri="{FF2B5EF4-FFF2-40B4-BE49-F238E27FC236}">
-                <a16:creationId xmlns:a16="http://schemas.microsoft.com/office/drawing/2014/main" id="{DBC07B49-D094-BB41-A138-C551395C4259}"/>
+          <p:cNvPr id="8" name="Picture 7" descr="A screenshot of a cell phone&#10;&#10;Description automatically generated">
+            <a:extLst>
+              <a:ext uri="{FF2B5EF4-FFF2-40B4-BE49-F238E27FC236}">
+                <a16:creationId xmlns:a16="http://schemas.microsoft.com/office/drawing/2014/main" id="{CBFD3589-7FBD-384B-B17A-536C5761D839}"/>
               </a:ext>
             </a:extLst>
           </p:cNvPr>
@@ -6583,8 +6634,8 @@
         </p:blipFill>
         <p:spPr>
           <a:xfrm>
-            <a:off x="4116613" y="2328524"/>
-            <a:ext cx="5638800" cy="1676400"/>
+            <a:off x="4131733" y="2230745"/>
+            <a:ext cx="7899400" cy="1871958"/>
           </a:xfrm>
           <a:prstGeom prst="rect">
             <a:avLst/>
@@ -6825,7 +6876,7 @@
                 <a:ea typeface="+mj-ea"/>
                 <a:cs typeface="+mj-cs"/>
               </a:rPr>
-              <a:t>Examples</a:t>
+              <a:t>Example:4</a:t>
             </a:r>
           </a:p>
         </p:txBody>
@@ -6874,7 +6925,7 @@
                   <a:spcPts val="600"/>
                 </a:spcAft>
               </a:pPr>
-              <a:t>2/29/20</a:t>
+              <a:t>3/3/20</a:t>
             </a:fld>
             <a:endParaRPr lang="en-US">
               <a:solidFill>
@@ -7117,7 +7168,7 @@
           <p:cNvPr id="7" name="Picture 6" descr="A screenshot of a cell phone&#10;&#10;Description automatically generated">
             <a:extLst>
               <a:ext uri="{FF2B5EF4-FFF2-40B4-BE49-F238E27FC236}">
-                <a16:creationId xmlns:a16="http://schemas.microsoft.com/office/drawing/2014/main" id="{492B8CCB-5C15-8B49-A6D4-FA51D78AD14E}"/>
+                <a16:creationId xmlns:a16="http://schemas.microsoft.com/office/drawing/2014/main" id="{29F0BC77-0B54-0546-A9A2-3D6913CD3D7F}"/>
               </a:ext>
             </a:extLst>
           </p:cNvPr>
@@ -7134,8 +7185,8 @@
         </p:blipFill>
         <p:spPr>
           <a:xfrm>
-            <a:off x="4222490" y="2270285"/>
-            <a:ext cx="5470414" cy="2423474"/>
+            <a:off x="4236358" y="2095499"/>
+            <a:ext cx="6070600" cy="2755900"/>
           </a:xfrm>
           <a:prstGeom prst="rect">
             <a:avLst/>
@@ -7376,7 +7427,7 @@
                 <a:ea typeface="+mj-ea"/>
                 <a:cs typeface="+mj-cs"/>
               </a:rPr>
-              <a:t>Examples</a:t>
+              <a:t>Example:5</a:t>
             </a:r>
           </a:p>
         </p:txBody>
@@ -7425,7 +7476,7 @@
                   <a:spcPts val="600"/>
                 </a:spcAft>
               </a:pPr>
-              <a:t>2/29/20</a:t>
+              <a:t>3/3/20</a:t>
             </a:fld>
             <a:endParaRPr lang="en-US">
               <a:solidFill>
@@ -7716,7 +7767,7 @@
           <p:cNvPr id="8" name="Picture 7" descr="A screenshot of a cell phone&#10;&#10;Description automatically generated">
             <a:extLst>
               <a:ext uri="{FF2B5EF4-FFF2-40B4-BE49-F238E27FC236}">
-                <a16:creationId xmlns:a16="http://schemas.microsoft.com/office/drawing/2014/main" id="{3B8826A9-5B85-8243-8E9E-9A992DE1764E}"/>
+                <a16:creationId xmlns:a16="http://schemas.microsoft.com/office/drawing/2014/main" id="{3A2A7A2E-2B6E-8045-AB49-DF0D2767F828}"/>
               </a:ext>
             </a:extLst>
           </p:cNvPr>
@@ -7733,8 +7784,8 @@
         </p:blipFill>
         <p:spPr>
           <a:xfrm>
-            <a:off x="4097500" y="2196510"/>
-            <a:ext cx="7354273" cy="2556988"/>
+            <a:off x="4236357" y="2158999"/>
+            <a:ext cx="6070600" cy="2692400"/>
           </a:xfrm>
           <a:prstGeom prst="rect">
             <a:avLst/>
